--- a/MidTermPresentation.pptx
+++ b/MidTermPresentation.pptx
@@ -9,9 +9,11 @@
     <p:sldId id="256" r:id="rId3"/>
     <p:sldId id="257" r:id="rId4"/>
     <p:sldId id="258" r:id="rId5"/>
-    <p:sldId id="260" r:id="rId6"/>
-    <p:sldId id="259" r:id="rId7"/>
-    <p:sldId id="261" r:id="rId8"/>
+    <p:sldId id="262" r:id="rId6"/>
+    <p:sldId id="263" r:id="rId7"/>
+    <p:sldId id="260" r:id="rId8"/>
+    <p:sldId id="259" r:id="rId9"/>
+    <p:sldId id="261" r:id="rId10"/>
   </p:sldIdLst>
   <p:sldSz cx="12192000" cy="6858000"/>
   <p:notesSz cx="6858000" cy="9144000"/>
@@ -110,6 +112,11 @@
       </a:defRPr>
     </a:lvl9pPr>
   </p:defaultTextStyle>
+  <p:extLst>
+    <p:ext uri="{EFAFB233-063F-42B5-8137-9DF3F51BA10A}">
+      <p15:sldGuideLst xmlns:p15="http://schemas.microsoft.com/office/powerpoint/2012/main"/>
+    </p:ext>
+  </p:extLst>
 </p:presentation>
 </file>
 
@@ -2460,7 +2467,7 @@
           <a:p>
             <a:fld id="{3C04E684-10F4-4CC3-A0B9-F03AA7BE37CF}" type="datetimeFigureOut">
               <a:rPr lang="en-US" smtClean="0"/>
-              <a:t>3/6/2020</a:t>
+              <a:t>3/10/2020</a:t>
             </a:fld>
             <a:endParaRPr lang="en-US"/>
           </a:p>
@@ -4950,7 +4957,7 @@
           <a:p>
             <a:fld id="{3C04E684-10F4-4CC3-A0B9-F03AA7BE37CF}" type="datetimeFigureOut">
               <a:rPr lang="en-US" smtClean="0"/>
-              <a:t>3/6/2020</a:t>
+              <a:t>3/10/2020</a:t>
             </a:fld>
             <a:endParaRPr lang="en-US"/>
           </a:p>
@@ -5148,7 +5155,7 @@
           <a:p>
             <a:fld id="{3C04E684-10F4-4CC3-A0B9-F03AA7BE37CF}" type="datetimeFigureOut">
               <a:rPr lang="en-US" smtClean="0"/>
-              <a:t>3/6/2020</a:t>
+              <a:t>3/10/2020</a:t>
             </a:fld>
             <a:endParaRPr lang="en-US"/>
           </a:p>
@@ -5356,7 +5363,7 @@
           <a:p>
             <a:fld id="{3C04E684-10F4-4CC3-A0B9-F03AA7BE37CF}" type="datetimeFigureOut">
               <a:rPr lang="en-US" smtClean="0"/>
-              <a:t>3/6/2020</a:t>
+              <a:t>3/10/2020</a:t>
             </a:fld>
             <a:endParaRPr lang="en-US"/>
           </a:p>
@@ -5642,7 +5649,7 @@
           <a:p>
             <a:fld id="{3C04E684-10F4-4CC3-A0B9-F03AA7BE37CF}" type="datetimeFigureOut">
               <a:rPr lang="en-US" smtClean="0"/>
-              <a:t>3/6/2020</a:t>
+              <a:t>3/10/2020</a:t>
             </a:fld>
             <a:endParaRPr lang="en-US"/>
           </a:p>
@@ -5812,7 +5819,7 @@
           <a:p>
             <a:fld id="{3C04E684-10F4-4CC3-A0B9-F03AA7BE37CF}" type="datetimeFigureOut">
               <a:rPr lang="en-US" smtClean="0"/>
-              <a:t>3/6/2020</a:t>
+              <a:t>3/10/2020</a:t>
             </a:fld>
             <a:endParaRPr lang="en-US"/>
           </a:p>
@@ -6069,7 +6076,7 @@
           <a:p>
             <a:fld id="{3C04E684-10F4-4CC3-A0B9-F03AA7BE37CF}" type="datetimeFigureOut">
               <a:rPr lang="en-US" smtClean="0"/>
-              <a:t>3/6/2020</a:t>
+              <a:t>3/10/2020</a:t>
             </a:fld>
             <a:endParaRPr lang="en-US"/>
           </a:p>
@@ -6361,7 +6368,7 @@
           <a:p>
             <a:fld id="{3C04E684-10F4-4CC3-A0B9-F03AA7BE37CF}" type="datetimeFigureOut">
               <a:rPr lang="en-US" smtClean="0"/>
-              <a:t>3/6/2020</a:t>
+              <a:t>3/10/2020</a:t>
             </a:fld>
             <a:endParaRPr lang="en-US"/>
           </a:p>
@@ -6791,7 +6798,7 @@
           <a:p>
             <a:fld id="{3C04E684-10F4-4CC3-A0B9-F03AA7BE37CF}" type="datetimeFigureOut">
               <a:rPr lang="en-US" smtClean="0"/>
-              <a:t>3/6/2020</a:t>
+              <a:t>3/10/2020</a:t>
             </a:fld>
             <a:endParaRPr lang="en-US"/>
           </a:p>
@@ -6909,7 +6916,7 @@
           <a:p>
             <a:fld id="{3C04E684-10F4-4CC3-A0B9-F03AA7BE37CF}" type="datetimeFigureOut">
               <a:rPr lang="en-US" smtClean="0"/>
-              <a:t>3/6/2020</a:t>
+              <a:t>3/10/2020</a:t>
             </a:fld>
             <a:endParaRPr lang="en-US"/>
           </a:p>
@@ -7004,7 +7011,7 @@
           <a:p>
             <a:fld id="{3C04E684-10F4-4CC3-A0B9-F03AA7BE37CF}" type="datetimeFigureOut">
               <a:rPr lang="en-US" smtClean="0"/>
-              <a:t>3/6/2020</a:t>
+              <a:t>3/10/2020</a:t>
             </a:fld>
             <a:endParaRPr lang="en-US"/>
           </a:p>
@@ -7729,7 +7736,7 @@
           <a:p>
             <a:fld id="{3C04E684-10F4-4CC3-A0B9-F03AA7BE37CF}" type="datetimeFigureOut">
               <a:rPr lang="en-US" smtClean="0"/>
-              <a:t>3/6/2020</a:t>
+              <a:t>3/10/2020</a:t>
             </a:fld>
             <a:endParaRPr lang="en-US"/>
           </a:p>
@@ -8024,7 +8031,7 @@
           <a:p>
             <a:fld id="{3C04E684-10F4-4CC3-A0B9-F03AA7BE37CF}" type="datetimeFigureOut">
               <a:rPr lang="en-US" smtClean="0"/>
-              <a:t>3/6/2020</a:t>
+              <a:t>3/10/2020</a:t>
             </a:fld>
             <a:endParaRPr lang="en-US"/>
           </a:p>
@@ -8315,7 +8322,7 @@
           <a:p>
             <a:fld id="{3C04E684-10F4-4CC3-A0B9-F03AA7BE37CF}" type="datetimeFigureOut">
               <a:rPr lang="en-US" smtClean="0"/>
-              <a:t>3/6/2020</a:t>
+              <a:t>3/10/2020</a:t>
             </a:fld>
             <a:endParaRPr lang="en-US"/>
           </a:p>
@@ -8616,7 +8623,7 @@
           <a:p>
             <a:fld id="{3C04E684-10F4-4CC3-A0B9-F03AA7BE37CF}" type="datetimeFigureOut">
               <a:rPr lang="en-US" smtClean="0"/>
-              <a:t>3/6/2020</a:t>
+              <a:t>3/10/2020</a:t>
             </a:fld>
             <a:endParaRPr lang="en-US"/>
           </a:p>
@@ -8875,7 +8882,7 @@
           <a:p>
             <a:fld id="{3C04E684-10F4-4CC3-A0B9-F03AA7BE37CF}" type="datetimeFigureOut">
               <a:rPr lang="en-US" smtClean="0"/>
-              <a:t>3/6/2020</a:t>
+              <a:t>3/10/2020</a:t>
             </a:fld>
             <a:endParaRPr lang="en-US"/>
           </a:p>
@@ -9344,7 +9351,7 @@
           <a:p>
             <a:fld id="{3C04E684-10F4-4CC3-A0B9-F03AA7BE37CF}" type="datetimeFigureOut">
               <a:rPr lang="en-US" smtClean="0"/>
-              <a:t>3/6/2020</a:t>
+              <a:t>3/10/2020</a:t>
             </a:fld>
             <a:endParaRPr lang="en-US"/>
           </a:p>
@@ -9524,7 +9531,7 @@
           <a:p>
             <a:fld id="{3C04E684-10F4-4CC3-A0B9-F03AA7BE37CF}" type="datetimeFigureOut">
               <a:rPr lang="en-US" smtClean="0"/>
-              <a:t>3/6/2020</a:t>
+              <a:t>3/10/2020</a:t>
             </a:fld>
             <a:endParaRPr lang="en-US"/>
           </a:p>
@@ -10100,7 +10107,7 @@
           <a:p>
             <a:fld id="{3C04E684-10F4-4CC3-A0B9-F03AA7BE37CF}" type="datetimeFigureOut">
               <a:rPr lang="en-US" smtClean="0"/>
-              <a:t>3/6/2020</a:t>
+              <a:t>3/10/2020</a:t>
             </a:fld>
             <a:endParaRPr lang="en-US"/>
           </a:p>
@@ -10432,7 +10439,7 @@
           <a:p>
             <a:fld id="{3C04E684-10F4-4CC3-A0B9-F03AA7BE37CF}" type="datetimeFigureOut">
               <a:rPr lang="en-US" smtClean="0"/>
-              <a:t>3/6/2020</a:t>
+              <a:t>3/10/2020</a:t>
             </a:fld>
             <a:endParaRPr lang="en-US"/>
           </a:p>
@@ -10607,7 +10614,7 @@
           <a:p>
             <a:fld id="{3C04E684-10F4-4CC3-A0B9-F03AA7BE37CF}" type="datetimeFigureOut">
               <a:rPr lang="en-US" smtClean="0"/>
-              <a:t>3/6/2020</a:t>
+              <a:t>3/10/2020</a:t>
             </a:fld>
             <a:endParaRPr lang="en-US"/>
           </a:p>
@@ -10787,7 +10794,7 @@
           <a:p>
             <a:fld id="{3C04E684-10F4-4CC3-A0B9-F03AA7BE37CF}" type="datetimeFigureOut">
               <a:rPr lang="en-US" smtClean="0"/>
-              <a:t>3/6/2020</a:t>
+              <a:t>3/10/2020</a:t>
             </a:fld>
             <a:endParaRPr lang="en-US"/>
           </a:p>
@@ -11417,7 +11424,7 @@
           <a:p>
             <a:fld id="{3C04E684-10F4-4CC3-A0B9-F03AA7BE37CF}" type="datetimeFigureOut">
               <a:rPr lang="en-US" smtClean="0"/>
-              <a:t>3/6/2020</a:t>
+              <a:t>3/10/2020</a:t>
             </a:fld>
             <a:endParaRPr lang="en-US"/>
           </a:p>
@@ -12217,7 +12224,7 @@
           <a:p>
             <a:fld id="{3C04E684-10F4-4CC3-A0B9-F03AA7BE37CF}" type="datetimeFigureOut">
               <a:rPr lang="en-US" smtClean="0"/>
-              <a:t>3/6/2020</a:t>
+              <a:t>3/10/2020</a:t>
             </a:fld>
             <a:endParaRPr lang="en-US"/>
           </a:p>
@@ -13168,7 +13175,7 @@
           <a:p>
             <a:fld id="{3C04E684-10F4-4CC3-A0B9-F03AA7BE37CF}" type="datetimeFigureOut">
               <a:rPr lang="en-US" smtClean="0"/>
-              <a:t>3/6/2020</a:t>
+              <a:t>3/10/2020</a:t>
             </a:fld>
             <a:endParaRPr lang="en-US"/>
           </a:p>
@@ -15517,7 +15524,7 @@
           <a:p>
             <a:fld id="{3C04E684-10F4-4CC3-A0B9-F03AA7BE37CF}" type="datetimeFigureOut">
               <a:rPr lang="en-US" smtClean="0"/>
-              <a:t>3/6/2020</a:t>
+              <a:t>3/10/2020</a:t>
             </a:fld>
             <a:endParaRPr lang="en-US"/>
           </a:p>
@@ -15630,7 +15637,7 @@
           <a:p>
             <a:fld id="{3C04E684-10F4-4CC3-A0B9-F03AA7BE37CF}" type="datetimeFigureOut">
               <a:rPr lang="en-US" smtClean="0"/>
-              <a:t>3/6/2020</a:t>
+              <a:t>3/10/2020</a:t>
             </a:fld>
             <a:endParaRPr lang="en-US"/>
           </a:p>
@@ -16137,7 +16144,7 @@
           <a:p>
             <a:fld id="{3C04E684-10F4-4CC3-A0B9-F03AA7BE37CF}" type="datetimeFigureOut">
               <a:rPr lang="en-US" smtClean="0"/>
-              <a:t>3/6/2020</a:t>
+              <a:t>3/10/2020</a:t>
             </a:fld>
             <a:endParaRPr lang="en-US"/>
           </a:p>
@@ -17440,7 +17447,7 @@
           <a:p>
             <a:fld id="{3C04E684-10F4-4CC3-A0B9-F03AA7BE37CF}" type="datetimeFigureOut">
               <a:rPr lang="en-US" smtClean="0"/>
-              <a:t>3/6/2020</a:t>
+              <a:t>3/10/2020</a:t>
             </a:fld>
             <a:endParaRPr lang="en-US"/>
           </a:p>
@@ -17687,7 +17694,7 @@
           <a:p>
             <a:fld id="{3C04E684-10F4-4CC3-A0B9-F03AA7BE37CF}" type="datetimeFigureOut">
               <a:rPr lang="en-US" smtClean="0"/>
-              <a:t>3/6/2020</a:t>
+              <a:t>3/10/2020</a:t>
             </a:fld>
             <a:endParaRPr lang="en-US"/>
           </a:p>
@@ -18248,7 +18255,7 @@
           <a:p>
             <a:fld id="{3C04E684-10F4-4CC3-A0B9-F03AA7BE37CF}" type="datetimeFigureOut">
               <a:rPr lang="en-US" smtClean="0"/>
-              <a:t>3/6/2020</a:t>
+              <a:t>3/10/2020</a:t>
             </a:fld>
             <a:endParaRPr lang="en-US"/>
           </a:p>
@@ -19239,6 +19246,29 @@
 <file path=ppt/slides/slide2.xml><?xml version="1.0" encoding="utf-8"?>
 <p:sld xmlns:a="http://schemas.openxmlformats.org/drawingml/2006/main" xmlns:r="http://schemas.openxmlformats.org/officeDocument/2006/relationships" xmlns:p="http://schemas.openxmlformats.org/presentationml/2006/main">
   <p:cSld>
+    <p:bg>
+      <p:bgPr>
+        <a:blipFill rotWithShape="1">
+          <a:blip r:embed="rId2">
+            <a:duotone>
+              <a:schemeClr val="bg2">
+                <a:shade val="28000"/>
+                <a:satMod val="94000"/>
+                <a:lumMod val="20000"/>
+              </a:schemeClr>
+              <a:schemeClr val="bg2">
+                <a:tint val="94000"/>
+                <a:shade val="84000"/>
+                <a:satMod val="148000"/>
+                <a:lumMod val="114000"/>
+              </a:schemeClr>
+            </a:duotone>
+          </a:blip>
+          <a:stretch/>
+        </a:blipFill>
+        <a:effectLst/>
+      </p:bgPr>
+    </p:bg>
     <p:spTree>
       <p:nvGrpSpPr>
         <p:cNvPr id="1" name=""/>
@@ -19269,13 +19299,20 @@
             <p:ph type="title"/>
           </p:nvPr>
         </p:nvSpPr>
-        <p:spPr/>
+        <p:spPr>
+          <a:xfrm>
+            <a:off x="643192" y="609600"/>
+            <a:ext cx="3643674" cy="1905000"/>
+          </a:xfrm>
+        </p:spPr>
         <p:txBody>
-          <a:bodyPr/>
+          <a:bodyPr>
+            <a:normAutofit/>
+          </a:bodyPr>
           <a:lstStyle/>
           <a:p>
             <a:r>
-              <a:rPr lang="en-US" dirty="0"/>
+              <a:rPr lang="en-US" sz="2800"/>
               <a:t>Entity Component System Rules	</a:t>
             </a:r>
           </a:p>
@@ -19297,75 +19334,179 @@
             <p:ph idx="1"/>
           </p:nvPr>
         </p:nvSpPr>
-        <p:spPr/>
+        <p:spPr>
+          <a:xfrm>
+            <a:off x="643192" y="2666999"/>
+            <a:ext cx="3643674" cy="3216276"/>
+          </a:xfrm>
+        </p:spPr>
         <p:txBody>
-          <a:bodyPr>
-            <a:normAutofit fontScale="92500" lnSpcReduction="20000"/>
+          <a:bodyPr anchor="t">
+            <a:normAutofit/>
           </a:bodyPr>
           <a:lstStyle/>
           <a:p>
+            <a:pPr>
+              <a:lnSpc>
+                <a:spcPct val="90000"/>
+              </a:lnSpc>
+            </a:pPr>
             <a:r>
-              <a:rPr lang="en-US" dirty="0"/>
+              <a:rPr lang="en-US" sz="1100" dirty="0"/>
               <a:t>General Rules:</a:t>
             </a:r>
           </a:p>
           <a:p>
-            <a:pPr lvl="1"/>
+            <a:pPr lvl="1">
+              <a:lnSpc>
+                <a:spcPct val="90000"/>
+              </a:lnSpc>
+            </a:pPr>
             <a:r>
-              <a:rPr lang="en-US" dirty="0"/>
-              <a:t>Components are all managed in a central place</a:t>
+              <a:rPr lang="en-US" sz="1100" dirty="0"/>
+              <a:t>Components are all managed in one central place</a:t>
             </a:r>
           </a:p>
           <a:p>
-            <a:pPr lvl="1"/>
+            <a:pPr lvl="1">
+              <a:lnSpc>
+                <a:spcPct val="90000"/>
+              </a:lnSpc>
+            </a:pPr>
             <a:r>
-              <a:rPr lang="en-US" dirty="0"/>
+              <a:rPr lang="en-US" sz="1100" dirty="0"/>
               <a:t>Entities are only comprised of components</a:t>
             </a:r>
           </a:p>
           <a:p>
-            <a:pPr lvl="2"/>
+            <a:pPr lvl="2">
+              <a:lnSpc>
+                <a:spcPct val="90000"/>
+              </a:lnSpc>
+            </a:pPr>
             <a:r>
-              <a:rPr lang="en-US" dirty="0"/>
+              <a:rPr lang="en-US" sz="1100" dirty="0"/>
               <a:t>Only data entities have are what components it has assigned to them</a:t>
             </a:r>
           </a:p>
           <a:p>
-            <a:pPr lvl="1"/>
+            <a:pPr lvl="1">
+              <a:lnSpc>
+                <a:spcPct val="90000"/>
+              </a:lnSpc>
+            </a:pPr>
             <a:r>
-              <a:rPr lang="en-US" dirty="0"/>
+              <a:rPr lang="en-US" sz="1100" dirty="0"/>
               <a:t>No inheritance to construct entities</a:t>
             </a:r>
           </a:p>
           <a:p>
-            <a:pPr lvl="1"/>
+            <a:pPr lvl="1">
+              <a:lnSpc>
+                <a:spcPct val="90000"/>
+              </a:lnSpc>
+            </a:pPr>
             <a:r>
-              <a:rPr lang="en-US" dirty="0"/>
+              <a:rPr lang="en-US" sz="1100" dirty="0"/>
               <a:t>Systems are data driven by the components</a:t>
             </a:r>
           </a:p>
           <a:p>
+            <a:pPr>
+              <a:lnSpc>
+                <a:spcPct val="90000"/>
+              </a:lnSpc>
+            </a:pPr>
             <a:r>
-              <a:rPr lang="en-US" dirty="0"/>
+              <a:rPr lang="en-US" sz="1100" dirty="0"/>
               <a:t>Added Rules:</a:t>
             </a:r>
           </a:p>
           <a:p>
-            <a:pPr lvl="1"/>
+            <a:pPr lvl="1">
+              <a:lnSpc>
+                <a:spcPct val="90000"/>
+              </a:lnSpc>
+            </a:pPr>
             <a:r>
-              <a:rPr lang="en-US" dirty="0"/>
+              <a:rPr lang="en-US" sz="1100" dirty="0"/>
               <a:t>All systems will only do logic, no remembering of state frame by frame</a:t>
             </a:r>
           </a:p>
           <a:p>
-            <a:pPr lvl="1"/>
+            <a:pPr lvl="1">
+              <a:lnSpc>
+                <a:spcPct val="90000"/>
+              </a:lnSpc>
+            </a:pPr>
             <a:r>
-              <a:rPr lang="en-US" dirty="0"/>
+              <a:rPr lang="en-US" sz="1100" dirty="0"/>
               <a:t>All components will only hold data</a:t>
             </a:r>
           </a:p>
         </p:txBody>
       </p:sp>
+      <p:pic>
+        <p:nvPicPr>
+          <p:cNvPr id="5" name="Picture 4" descr="A close up of a map&#10;&#10;Description automatically generated">
+            <a:extLst>
+              <a:ext uri="{FF2B5EF4-FFF2-40B4-BE49-F238E27FC236}">
+                <a16:creationId xmlns:a16="http://schemas.microsoft.com/office/drawing/2014/main" id="{3CEB32E3-1122-4238-A0EB-032E0753C08F}"/>
+              </a:ext>
+            </a:extLst>
+          </p:cNvPr>
+          <p:cNvPicPr>
+            <a:picLocks noChangeAspect="1"/>
+          </p:cNvPicPr>
+          <p:nvPr/>
+        </p:nvPicPr>
+        <p:blipFill>
+          <a:blip r:embed="rId3">
+            <a:extLst>
+              <a:ext uri="{28A0092B-C50C-407E-A947-70E740481C1C}">
+                <a14:useLocalDpi xmlns:a14="http://schemas.microsoft.com/office/drawing/2010/main" val="0"/>
+              </a:ext>
+            </a:extLst>
+          </a:blip>
+          <a:stretch>
+            <a:fillRect/>
+          </a:stretch>
+        </p:blipFill>
+        <p:spPr>
+          <a:xfrm>
+            <a:off x="4630994" y="1418780"/>
+            <a:ext cx="6916633" cy="3700399"/>
+          </a:xfrm>
+          <a:prstGeom prst="roundRect">
+            <a:avLst>
+              <a:gd name="adj" fmla="val 3517"/>
+            </a:avLst>
+          </a:prstGeom>
+          <a:ln w="38100">
+            <a:gradFill flip="none" rotWithShape="1">
+              <a:gsLst>
+                <a:gs pos="0">
+                  <a:srgbClr val="363D46"/>
+                </a:gs>
+                <a:gs pos="100000">
+                  <a:srgbClr val="363D46">
+                    <a:lumMod val="75000"/>
+                  </a:srgbClr>
+                </a:gs>
+              </a:gsLst>
+              <a:lin ang="5400000" scaled="0"/>
+              <a:tileRect/>
+            </a:gradFill>
+          </a:ln>
+          <a:effectLst>
+            <a:innerShdw blurRad="57150" dist="38100" dir="14460000">
+              <a:srgbClr val="000000">
+                <a:alpha val="70000"/>
+              </a:srgbClr>
+            </a:innerShdw>
+          </a:effectLst>
+        </p:spPr>
+      </p:pic>
     </p:spTree>
     <p:extLst>
       <p:ext uri="{BB962C8B-B14F-4D97-AF65-F5344CB8AC3E}">
@@ -19501,7 +19642,7 @@
           <p:cNvPr id="2" name="Title 1">
             <a:extLst>
               <a:ext uri="{FF2B5EF4-FFF2-40B4-BE49-F238E27FC236}">
-                <a16:creationId xmlns:a16="http://schemas.microsoft.com/office/drawing/2014/main" id="{C65E4D2E-25C5-4CFF-A0BB-C5CE7A57C4B3}"/>
+                <a16:creationId xmlns:a16="http://schemas.microsoft.com/office/drawing/2014/main" id="{3334AECF-F507-4AEE-8588-D92E60C27E39}"/>
               </a:ext>
             </a:extLst>
           </p:cNvPr>
@@ -19519,6 +19660,244 @@
           <a:p>
             <a:r>
               <a:rPr lang="en-US" dirty="0"/>
+              <a:t>Live Demo</a:t>
+            </a:r>
+          </a:p>
+        </p:txBody>
+      </p:sp>
+      <p:sp>
+        <p:nvSpPr>
+          <p:cNvPr id="3" name="Content Placeholder 2">
+            <a:extLst>
+              <a:ext uri="{FF2B5EF4-FFF2-40B4-BE49-F238E27FC236}">
+                <a16:creationId xmlns:a16="http://schemas.microsoft.com/office/drawing/2014/main" id="{7F15AE60-3A77-4DAC-8187-687987B8F3EB}"/>
+              </a:ext>
+            </a:extLst>
+          </p:cNvPr>
+          <p:cNvSpPr>
+            <a:spLocks noGrp="1"/>
+          </p:cNvSpPr>
+          <p:nvPr>
+            <p:ph idx="1"/>
+          </p:nvPr>
+        </p:nvSpPr>
+        <p:spPr/>
+        <p:txBody>
+          <a:bodyPr/>
+          <a:lstStyle/>
+          <a:p>
+            <a:endParaRPr lang="en-US"/>
+          </a:p>
+        </p:txBody>
+      </p:sp>
+    </p:spTree>
+    <p:extLst>
+      <p:ext uri="{BB962C8B-B14F-4D97-AF65-F5344CB8AC3E}">
+        <p14:creationId xmlns:p14="http://schemas.microsoft.com/office/powerpoint/2010/main" val="1388821927"/>
+      </p:ext>
+    </p:extLst>
+  </p:cSld>
+  <p:clrMapOvr>
+    <a:masterClrMapping/>
+  </p:clrMapOvr>
+</p:sld>
+</file>
+
+<file path=ppt/slides/slide5.xml><?xml version="1.0" encoding="utf-8"?>
+<p:sld xmlns:a="http://schemas.openxmlformats.org/drawingml/2006/main" xmlns:r="http://schemas.openxmlformats.org/officeDocument/2006/relationships" xmlns:p="http://schemas.openxmlformats.org/presentationml/2006/main">
+  <p:cSld>
+    <p:spTree>
+      <p:nvGrpSpPr>
+        <p:cNvPr id="1" name=""/>
+        <p:cNvGrpSpPr/>
+        <p:nvPr/>
+      </p:nvGrpSpPr>
+      <p:grpSpPr>
+        <a:xfrm>
+          <a:off x="0" y="0"/>
+          <a:ext cx="0" cy="0"/>
+          <a:chOff x="0" y="0"/>
+          <a:chExt cx="0" cy="0"/>
+        </a:xfrm>
+      </p:grpSpPr>
+      <p:sp>
+        <p:nvSpPr>
+          <p:cNvPr id="2" name="Title 1">
+            <a:extLst>
+              <a:ext uri="{FF2B5EF4-FFF2-40B4-BE49-F238E27FC236}">
+                <a16:creationId xmlns:a16="http://schemas.microsoft.com/office/drawing/2014/main" id="{59F6FDE8-780D-44E3-A27F-BE2AC6BE0ECA}"/>
+              </a:ext>
+            </a:extLst>
+          </p:cNvPr>
+          <p:cNvSpPr>
+            <a:spLocks noGrp="1"/>
+          </p:cNvSpPr>
+          <p:nvPr>
+            <p:ph type="title"/>
+          </p:nvPr>
+        </p:nvSpPr>
+        <p:spPr/>
+        <p:txBody>
+          <a:bodyPr/>
+          <a:lstStyle/>
+          <a:p>
+            <a:r>
+              <a:rPr lang="en-US" dirty="0"/>
+              <a:t>Learns so far</a:t>
+            </a:r>
+          </a:p>
+        </p:txBody>
+      </p:sp>
+      <p:sp>
+        <p:nvSpPr>
+          <p:cNvPr id="3" name="Content Placeholder 2">
+            <a:extLst>
+              <a:ext uri="{FF2B5EF4-FFF2-40B4-BE49-F238E27FC236}">
+                <a16:creationId xmlns:a16="http://schemas.microsoft.com/office/drawing/2014/main" id="{3DBAC3DF-060A-4C01-B32D-AEDDDA752C60}"/>
+              </a:ext>
+            </a:extLst>
+          </p:cNvPr>
+          <p:cNvSpPr>
+            <a:spLocks noGrp="1"/>
+          </p:cNvSpPr>
+          <p:nvPr>
+            <p:ph idx="1"/>
+          </p:nvPr>
+        </p:nvSpPr>
+        <p:spPr/>
+        <p:txBody>
+          <a:bodyPr/>
+          <a:lstStyle/>
+          <a:p>
+            <a:r>
+              <a:rPr lang="en-US" dirty="0"/>
+              <a:t>Scalability is greater than object oriented. (option based)</a:t>
+            </a:r>
+          </a:p>
+          <a:p>
+            <a:pPr lvl="1"/>
+            <a:r>
+              <a:rPr lang="en-US" dirty="0"/>
+              <a:t>Ability to exclude data that’s not desired instead of ignoring</a:t>
+            </a:r>
+          </a:p>
+          <a:p>
+            <a:r>
+              <a:rPr lang="en-US" dirty="0"/>
+              <a:t>Big potential for optimization</a:t>
+            </a:r>
+          </a:p>
+          <a:p>
+            <a:pPr lvl="1"/>
+            <a:r>
+              <a:rPr lang="en-US" dirty="0"/>
+              <a:t>Many things you COULD do. Must restrain temptation to refactor.</a:t>
+            </a:r>
+          </a:p>
+          <a:p>
+            <a:r>
+              <a:rPr lang="en-US" dirty="0"/>
+              <a:t>Splitting logic between steps of information gathering instead of full ideas</a:t>
+            </a:r>
+          </a:p>
+          <a:p>
+            <a:pPr lvl="1"/>
+            <a:r>
+              <a:rPr lang="en-US" dirty="0"/>
+              <a:t>Example: desired movement, physics movement, and accrual moving.</a:t>
+            </a:r>
+          </a:p>
+          <a:p>
+            <a:endParaRPr lang="en-US" dirty="0"/>
+          </a:p>
+          <a:p>
+            <a:endParaRPr lang="en-US" dirty="0"/>
+          </a:p>
+        </p:txBody>
+      </p:sp>
+    </p:spTree>
+    <p:extLst>
+      <p:ext uri="{BB962C8B-B14F-4D97-AF65-F5344CB8AC3E}">
+        <p14:creationId xmlns:p14="http://schemas.microsoft.com/office/powerpoint/2010/main" val="1217016908"/>
+      </p:ext>
+    </p:extLst>
+  </p:cSld>
+  <p:clrMapOvr>
+    <a:masterClrMapping/>
+  </p:clrMapOvr>
+</p:sld>
+</file>
+
+<file path=ppt/slides/slide6.xml><?xml version="1.0" encoding="utf-8"?>
+<p:sld xmlns:a="http://schemas.openxmlformats.org/drawingml/2006/main" xmlns:r="http://schemas.openxmlformats.org/officeDocument/2006/relationships" xmlns:p="http://schemas.openxmlformats.org/presentationml/2006/main">
+  <p:cSld>
+    <p:bg>
+      <p:bgPr>
+        <a:blipFill rotWithShape="1">
+          <a:blip r:embed="rId2">
+            <a:duotone>
+              <a:schemeClr val="bg2">
+                <a:shade val="28000"/>
+                <a:satMod val="94000"/>
+                <a:lumMod val="20000"/>
+              </a:schemeClr>
+              <a:schemeClr val="bg2">
+                <a:tint val="94000"/>
+                <a:shade val="84000"/>
+                <a:satMod val="148000"/>
+                <a:lumMod val="114000"/>
+              </a:schemeClr>
+            </a:duotone>
+          </a:blip>
+          <a:stretch/>
+        </a:blipFill>
+        <a:effectLst/>
+      </p:bgPr>
+    </p:bg>
+    <p:spTree>
+      <p:nvGrpSpPr>
+        <p:cNvPr id="1" name=""/>
+        <p:cNvGrpSpPr/>
+        <p:nvPr/>
+      </p:nvGrpSpPr>
+      <p:grpSpPr>
+        <a:xfrm>
+          <a:off x="0" y="0"/>
+          <a:ext cx="0" cy="0"/>
+          <a:chOff x="0" y="0"/>
+          <a:chExt cx="0" cy="0"/>
+        </a:xfrm>
+      </p:grpSpPr>
+      <p:sp>
+        <p:nvSpPr>
+          <p:cNvPr id="2" name="Title 1">
+            <a:extLst>
+              <a:ext uri="{FF2B5EF4-FFF2-40B4-BE49-F238E27FC236}">
+                <a16:creationId xmlns:a16="http://schemas.microsoft.com/office/drawing/2014/main" id="{C65E4D2E-25C5-4CFF-A0BB-C5CE7A57C4B3}"/>
+              </a:ext>
+            </a:extLst>
+          </p:cNvPr>
+          <p:cNvSpPr>
+            <a:spLocks noGrp="1"/>
+          </p:cNvSpPr>
+          <p:nvPr>
+            <p:ph type="title"/>
+          </p:nvPr>
+        </p:nvSpPr>
+        <p:spPr>
+          <a:xfrm>
+            <a:off x="643192" y="609600"/>
+            <a:ext cx="3643674" cy="1905000"/>
+          </a:xfrm>
+        </p:spPr>
+        <p:txBody>
+          <a:bodyPr>
+            <a:normAutofit/>
+          </a:bodyPr>
+          <a:lstStyle/>
+          <a:p>
+            <a:r>
+              <a:rPr lang="en-US" sz="2800"/>
               <a:t>Issues</a:t>
             </a:r>
           </a:p>
@@ -19540,52 +19919,168 @@
             <p:ph idx="1"/>
           </p:nvPr>
         </p:nvSpPr>
-        <p:spPr/>
+        <p:spPr>
+          <a:xfrm>
+            <a:off x="643192" y="1954635"/>
+            <a:ext cx="3643674" cy="3928640"/>
+          </a:xfrm>
+        </p:spPr>
         <p:txBody>
-          <a:bodyPr/>
+          <a:bodyPr anchor="t">
+            <a:normAutofit/>
+          </a:bodyPr>
           <a:lstStyle/>
           <a:p>
+            <a:pPr>
+              <a:lnSpc>
+                <a:spcPct val="90000"/>
+              </a:lnSpc>
+            </a:pPr>
             <a:r>
-              <a:rPr lang="en-US" dirty="0"/>
+              <a:rPr lang="en-US" sz="1400" dirty="0"/>
+              <a:t>Complexity</a:t>
+            </a:r>
+          </a:p>
+          <a:p>
+            <a:pPr>
+              <a:lnSpc>
+                <a:spcPct val="90000"/>
+              </a:lnSpc>
+            </a:pPr>
+            <a:r>
+              <a:rPr lang="en-US" sz="1400" dirty="0"/>
               <a:t>Wanting to treat entities as a type of thing apposed to a generic thing </a:t>
             </a:r>
           </a:p>
           <a:p>
-            <a:pPr lvl="1"/>
+            <a:pPr lvl="1">
+              <a:lnSpc>
+                <a:spcPct val="90000"/>
+              </a:lnSpc>
+            </a:pPr>
             <a:r>
-              <a:rPr lang="en-US" dirty="0"/>
+              <a:rPr lang="en-US" sz="1400" dirty="0"/>
               <a:t>Example: Player vs AI </a:t>
             </a:r>
           </a:p>
           <a:p>
-            <a:pPr lvl="1"/>
+            <a:pPr lvl="1">
+              <a:lnSpc>
+                <a:spcPct val="90000"/>
+              </a:lnSpc>
+            </a:pPr>
             <a:r>
-              <a:rPr lang="en-US" dirty="0"/>
+              <a:rPr lang="en-US" sz="1400" dirty="0"/>
               <a:t>Solution: Intent Component</a:t>
             </a:r>
           </a:p>
           <a:p>
+            <a:pPr>
+              <a:lnSpc>
+                <a:spcPct val="90000"/>
+              </a:lnSpc>
+            </a:pPr>
             <a:r>
-              <a:rPr lang="en-US" dirty="0"/>
+              <a:rPr lang="en-US" sz="1400" dirty="0"/>
               <a:t>Rendering</a:t>
             </a:r>
           </a:p>
           <a:p>
-            <a:pPr lvl="1"/>
+            <a:pPr lvl="1">
+              <a:lnSpc>
+                <a:spcPct val="90000"/>
+              </a:lnSpc>
+            </a:pPr>
             <a:r>
-              <a:rPr lang="en-US" dirty="0"/>
+              <a:rPr lang="en-US" sz="1400" dirty="0"/>
               <a:t>System required unless you allow all your systems to be able to draw when they want, creating weird dependencies</a:t>
             </a:r>
           </a:p>
           <a:p>
-            <a:pPr lvl="1"/>
+            <a:pPr lvl="1">
+              <a:lnSpc>
+                <a:spcPct val="90000"/>
+              </a:lnSpc>
+            </a:pPr>
             <a:r>
-              <a:rPr lang="en-US" dirty="0"/>
+              <a:rPr lang="en-US" sz="1400" dirty="0"/>
               <a:t>How to draw know what to draw: Render Component</a:t>
             </a:r>
           </a:p>
+          <a:p>
+            <a:pPr>
+              <a:lnSpc>
+                <a:spcPct val="90000"/>
+              </a:lnSpc>
+            </a:pPr>
+            <a:r>
+              <a:rPr lang="en-US" sz="1600" dirty="0"/>
+              <a:t>Understanding the memory management</a:t>
+            </a:r>
+          </a:p>
         </p:txBody>
       </p:sp>
+      <p:pic>
+        <p:nvPicPr>
+          <p:cNvPr id="6" name="Picture 5" descr="A close up of text on a white background&#10;&#10;Description automatically generated">
+            <a:extLst>
+              <a:ext uri="{FF2B5EF4-FFF2-40B4-BE49-F238E27FC236}">
+                <a16:creationId xmlns:a16="http://schemas.microsoft.com/office/drawing/2014/main" id="{5B1993D0-6869-4747-9C88-6B2600051DCC}"/>
+              </a:ext>
+            </a:extLst>
+          </p:cNvPr>
+          <p:cNvPicPr>
+            <a:picLocks noChangeAspect="1"/>
+          </p:cNvPicPr>
+          <p:nvPr/>
+        </p:nvPicPr>
+        <p:blipFill>
+          <a:blip r:embed="rId3">
+            <a:extLst>
+              <a:ext uri="{28A0092B-C50C-407E-A947-70E740481C1C}">
+                <a14:useLocalDpi xmlns:a14="http://schemas.microsoft.com/office/drawing/2010/main" val="0"/>
+              </a:ext>
+            </a:extLst>
+          </a:blip>
+          <a:stretch>
+            <a:fillRect/>
+          </a:stretch>
+        </p:blipFill>
+        <p:spPr>
+          <a:xfrm>
+            <a:off x="5099141" y="645106"/>
+            <a:ext cx="5980338" cy="5247747"/>
+          </a:xfrm>
+          <a:prstGeom prst="roundRect">
+            <a:avLst>
+              <a:gd name="adj" fmla="val 3517"/>
+            </a:avLst>
+          </a:prstGeom>
+          <a:ln w="38100">
+            <a:gradFill flip="none" rotWithShape="1">
+              <a:gsLst>
+                <a:gs pos="0">
+                  <a:srgbClr val="363D46"/>
+                </a:gs>
+                <a:gs pos="100000">
+                  <a:srgbClr val="363D46">
+                    <a:lumMod val="75000"/>
+                  </a:srgbClr>
+                </a:gs>
+              </a:gsLst>
+              <a:lin ang="5400000" scaled="0"/>
+              <a:tileRect/>
+            </a:gradFill>
+          </a:ln>
+          <a:effectLst>
+            <a:innerShdw blurRad="57150" dist="38100" dir="14460000">
+              <a:srgbClr val="000000">
+                <a:alpha val="70000"/>
+              </a:srgbClr>
+            </a:innerShdw>
+          </a:effectLst>
+        </p:spPr>
+      </p:pic>
     </p:spTree>
     <p:extLst>
       <p:ext uri="{BB962C8B-B14F-4D97-AF65-F5344CB8AC3E}">
@@ -19599,7 +20094,7 @@
 </p:sld>
 </file>
 
-<file path=ppt/slides/slide5.xml><?xml version="1.0" encoding="utf-8"?>
+<file path=ppt/slides/slide7.xml><?xml version="1.0" encoding="utf-8"?>
 <p:sld xmlns:a="http://schemas.openxmlformats.org/drawingml/2006/main" xmlns:r="http://schemas.openxmlformats.org/officeDocument/2006/relationships" xmlns:p="http://schemas.openxmlformats.org/presentationml/2006/main">
   <p:cSld>
     <p:spTree>
@@ -19669,6 +20164,12 @@
           <a:p>
             <a:r>
               <a:rPr lang="en-US" dirty="0"/>
+              <a:t>Add rules for dependencies on components</a:t>
+            </a:r>
+          </a:p>
+          <a:p>
+            <a:r>
+              <a:rPr lang="en-US" dirty="0"/>
               <a:t>A heavier entity that held pointers to it’s assigned components</a:t>
             </a:r>
           </a:p>
@@ -19688,7 +20189,7 @@
           <a:p>
             <a:r>
               <a:rPr lang="en-US" dirty="0"/>
-              <a:t>Behavioral Components</a:t>
+              <a:t>Behavioral Components for AI</a:t>
             </a:r>
           </a:p>
           <a:p>
@@ -19719,7 +20220,7 @@
 </p:sld>
 </file>
 
-<file path=ppt/slides/slide6.xml><?xml version="1.0" encoding="utf-8"?>
+<file path=ppt/slides/slide8.xml><?xml version="1.0" encoding="utf-8"?>
 <p:sld xmlns:a="http://schemas.openxmlformats.org/drawingml/2006/main" xmlns:r="http://schemas.openxmlformats.org/officeDocument/2006/relationships" xmlns:p="http://schemas.openxmlformats.org/presentationml/2006/main">
   <p:cSld>
     <p:bg>
@@ -19828,28 +20329,28 @@
           <a:p>
             <a:pPr lvl="1"/>
             <a:r>
-              <a:rPr lang="en-US"/>
+              <a:rPr lang="en-US" dirty="0"/>
               <a:t>Because the systems are not reliant of each other, you can create a job for each system easily. </a:t>
             </a:r>
           </a:p>
           <a:p>
             <a:pPr lvl="1"/>
             <a:r>
-              <a:rPr lang="en-US"/>
+              <a:rPr lang="en-US" dirty="0"/>
               <a:t>Things to keep track of: </a:t>
             </a:r>
           </a:p>
           <a:p>
             <a:pPr lvl="2"/>
             <a:r>
-              <a:rPr lang="en-US"/>
+              <a:rPr lang="en-US" dirty="0"/>
               <a:t>components that are shared between systems</a:t>
             </a:r>
           </a:p>
           <a:p>
             <a:pPr lvl="2"/>
             <a:r>
-              <a:rPr lang="en-US"/>
+              <a:rPr lang="en-US" dirty="0"/>
               <a:t>Systems that are reliant on information that another system provides</a:t>
             </a:r>
           </a:p>

--- a/MidTermPresentation.pptx
+++ b/MidTermPresentation.pptx
@@ -19068,7 +19068,7 @@
         </p:blipFill>
         <p:spPr>
           <a:xfrm>
-            <a:off x="20" y="10"/>
+            <a:off x="20" y="8399"/>
             <a:ext cx="12191980" cy="6857990"/>
           </a:xfrm>
           <a:prstGeom prst="rect">
@@ -19191,6 +19191,13 @@
             <a:r>
               <a:rPr lang="en-US" dirty="0"/>
               <a:t>Realm of the Mad Adam</a:t>
+            </a:r>
+            <a:br>
+              <a:rPr lang="en-US" dirty="0"/>
+            </a:br>
+            <a:r>
+              <a:rPr lang="en-US" dirty="0"/>
+              <a:t>ECS</a:t>
             </a:r>
           </a:p>
         </p:txBody>
